--- a/courses/theory/2022-spring/slides/lec18-concolic.pptx
+++ b/courses/theory/2022-spring/slides/lec18-concolic.pptx
@@ -6451,7 +6451,7 @@
             </a:r>
             <a:r>
               <a:rPr lang="en-US" altLang="zh-CN" dirty="0"/>
-              <a:t>execution</a:t>
+              <a:t>Execution</a:t>
             </a:r>
           </a:p>
         </p:txBody>
@@ -6675,14 +6675,14 @@
               <a:t> </a:t>
             </a:r>
             <a:r>
-              <a:rPr kumimoji="1" lang="en-US" altLang="zh-CN" sz="2000" b="1">
+              <a:rPr kumimoji="1" lang="en-US" altLang="zh-CN" sz="2000" b="1" dirty="0">
                 <a:latin typeface="Courier New" panose="02070309020205020404" pitchFamily="49" charset="0"/>
                 <a:cs typeface="Courier New" panose="02070309020205020404" pitchFamily="49" charset="0"/>
               </a:rPr>
               <a:t>as</a:t>
             </a:r>
             <a:r>
-              <a:rPr kumimoji="1" lang="zh-CN" altLang="en-US" sz="2000" b="1">
+              <a:rPr kumimoji="1" lang="zh-CN" altLang="en-US" sz="2000" b="1" dirty="0">
                 <a:latin typeface="Courier New" panose="02070309020205020404" pitchFamily="49" charset="0"/>
                 <a:cs typeface="Courier New" panose="02070309020205020404" pitchFamily="49" charset="0"/>
               </a:rPr>
@@ -6716,7 +6716,7 @@
                 <a:latin typeface="Courier New" panose="02070309020205020404" pitchFamily="49" charset="0"/>
                 <a:cs typeface="Courier New" panose="02070309020205020404" pitchFamily="49" charset="0"/>
               </a:rPr>
-              <a:t>function</a:t>
+              <a:t>initial</a:t>
             </a:r>
             <a:r>
               <a:rPr kumimoji="1" lang="zh-CN" altLang="en-US" sz="2000" b="1" dirty="0">
@@ -8662,7 +8662,7 @@
                 <a:latin typeface="Courier New" panose="02070309020205020404" pitchFamily="49" charset="0"/>
                 <a:cs typeface="Courier New" panose="02070309020205020404" pitchFamily="49" charset="0"/>
               </a:rPr>
-              <a:t>value</a:t>
+              <a:t>values</a:t>
             </a:r>
             <a:r>
               <a:rPr kumimoji="1" lang="en-US" altLang="zh-CN" sz="2000" b="1" dirty="0">
@@ -10289,7 +10289,35 @@
                 <a:latin typeface="Courier New" panose="02070309020205020404" pitchFamily="49" charset="0"/>
                 <a:cs typeface="Courier New" panose="02070309020205020404" pitchFamily="49" charset="0"/>
               </a:rPr>
-              <a:t>After run and get the PCs, we negate the PCs </a:t>
+              <a:t>When</a:t>
+            </a:r>
+            <a:r>
+              <a:rPr kumimoji="1" lang="zh-CN" altLang="en-US" sz="2000" b="1" dirty="0">
+                <a:latin typeface="Courier New" panose="02070309020205020404" pitchFamily="49" charset="0"/>
+                <a:cs typeface="Courier New" panose="02070309020205020404" pitchFamily="49" charset="0"/>
+              </a:rPr>
+              <a:t> </a:t>
+            </a:r>
+            <a:r>
+              <a:rPr kumimoji="1" lang="en-US" altLang="zh-CN" sz="2000" b="1" dirty="0">
+                <a:latin typeface="Courier New" panose="02070309020205020404" pitchFamily="49" charset="0"/>
+                <a:cs typeface="Courier New" panose="02070309020205020404" pitchFamily="49" charset="0"/>
+              </a:rPr>
+              <a:t>finish</a:t>
+            </a:r>
+            <a:r>
+              <a:rPr kumimoji="1" lang="zh-CN" altLang="en-US" sz="2000" b="1" dirty="0">
+                <a:latin typeface="Courier New" panose="02070309020205020404" pitchFamily="49" charset="0"/>
+                <a:cs typeface="Courier New" panose="02070309020205020404" pitchFamily="49" charset="0"/>
+              </a:rPr>
+              <a:t> </a:t>
+            </a:r>
+            <a:r>
+              <a:rPr kumimoji="1" lang="en-US" altLang="zh-CN" sz="2000" b="1" dirty="0">
+                <a:latin typeface="Courier New" panose="02070309020205020404" pitchFamily="49" charset="0"/>
+                <a:cs typeface="Courier New" panose="02070309020205020404" pitchFamily="49" charset="0"/>
+              </a:rPr>
+              <a:t>and get the PCs, we negate the PCs </a:t>
             </a:r>
           </a:p>
           <a:p>
@@ -18615,6 +18643,26 @@
                 <a:latin typeface="Courier New" panose="02070309020205020404" pitchFamily="49" charset="0"/>
                 <a:cs typeface="Courier New" panose="02070309020205020404" pitchFamily="49" charset="0"/>
               </a:rPr>
+              <a:t>int</a:t>
+            </a:r>
+            <a:r>
+              <a:rPr kumimoji="1" lang="zh-CN" altLang="en-US" sz="2000" b="1" dirty="0">
+                <a:solidFill>
+                  <a:srgbClr val="0432FF"/>
+                </a:solidFill>
+                <a:latin typeface="Courier New" panose="02070309020205020404" pitchFamily="49" charset="0"/>
+                <a:cs typeface="Courier New" panose="02070309020205020404" pitchFamily="49" charset="0"/>
+              </a:rPr>
+              <a:t> </a:t>
+            </a:r>
+            <a:r>
+              <a:rPr kumimoji="1" lang="en-US" altLang="zh-CN" sz="2000" b="1" dirty="0">
+                <a:solidFill>
+                  <a:srgbClr val="0432FF"/>
+                </a:solidFill>
+                <a:latin typeface="Courier New" panose="02070309020205020404" pitchFamily="49" charset="0"/>
+                <a:cs typeface="Courier New" panose="02070309020205020404" pitchFamily="49" charset="0"/>
+              </a:rPr>
               <a:t>m</a:t>
             </a:r>
             <a:r>
@@ -20406,6 +20454,26 @@
                 <a:cs typeface="Courier New" panose="02070309020205020404" pitchFamily="49" charset="0"/>
               </a:rPr>
               <a:t>  </a:t>
+            </a:r>
+            <a:r>
+              <a:rPr kumimoji="1" lang="en-US" altLang="zh-CN" sz="2000" b="1" dirty="0">
+                <a:solidFill>
+                  <a:srgbClr val="0432FF"/>
+                </a:solidFill>
+                <a:latin typeface="Courier New" panose="02070309020205020404" pitchFamily="49" charset="0"/>
+                <a:cs typeface="Courier New" panose="02070309020205020404" pitchFamily="49" charset="0"/>
+              </a:rPr>
+              <a:t>int</a:t>
+            </a:r>
+            <a:r>
+              <a:rPr kumimoji="1" lang="zh-CN" altLang="en-US" sz="2000" b="1" dirty="0">
+                <a:solidFill>
+                  <a:srgbClr val="0432FF"/>
+                </a:solidFill>
+                <a:latin typeface="Courier New" panose="02070309020205020404" pitchFamily="49" charset="0"/>
+                <a:cs typeface="Courier New" panose="02070309020205020404" pitchFamily="49" charset="0"/>
+              </a:rPr>
+              <a:t> </a:t>
             </a:r>
             <a:r>
               <a:rPr kumimoji="1" lang="en-US" altLang="zh-CN" sz="2000" b="1" dirty="0">
@@ -21447,9 +21515,7 @@
           <p:cNvGraphicFramePr>
             <a:graphicFrameLocks noGrp="1"/>
           </p:cNvGraphicFramePr>
-          <p:nvPr>
-            <p:extLst/>
-          </p:nvPr>
+          <p:nvPr/>
         </p:nvGraphicFramePr>
         <p:xfrm>
           <a:off x="7103142" y="2215670"/>
@@ -25325,7 +25391,31 @@
             </a:r>
             <a:r>
               <a:rPr kumimoji="1" lang="en-US" altLang="zh-CN" dirty="0"/>
-              <a:t>controlled, according to:</a:t>
+              <a:t>controlled, according to</a:t>
+            </a:r>
+            <a:r>
+              <a:rPr kumimoji="1" lang="zh-CN" altLang="en-US" dirty="0"/>
+              <a:t> </a:t>
+            </a:r>
+            <a:r>
+              <a:rPr kumimoji="1" lang="en-US" altLang="zh-CN" dirty="0"/>
+              <a:t>metrics</a:t>
+            </a:r>
+            <a:r>
+              <a:rPr kumimoji="1" lang="zh-CN" altLang="en-US" dirty="0"/>
+              <a:t> </a:t>
+            </a:r>
+            <a:r>
+              <a:rPr kumimoji="1" lang="en-US" altLang="zh-CN" dirty="0"/>
+              <a:t>such</a:t>
+            </a:r>
+            <a:r>
+              <a:rPr kumimoji="1" lang="zh-CN" altLang="en-US" dirty="0"/>
+              <a:t> </a:t>
+            </a:r>
+            <a:r>
+              <a:rPr kumimoji="1" lang="en-US" altLang="zh-CN" dirty="0"/>
+              <a:t>as:</a:t>
             </a:r>
           </a:p>
           <a:p>
@@ -25385,7 +25475,7 @@
             <a:pPr lvl="1"/>
             <a:r>
               <a:rPr kumimoji="1" lang="en-US" altLang="zh-CN" dirty="0"/>
-              <a:t>etc..</a:t>
+              <a:t>etc.</a:t>
             </a:r>
             <a:endParaRPr kumimoji="1" lang="zh-CN" altLang="en-US" dirty="0"/>
           </a:p>
@@ -26087,8 +26177,8 @@
           </p:sp>
         </mc:Fallback>
       </mc:AlternateContent>
-      <mc:AlternateContent xmlns:mc="http://schemas.openxmlformats.org/markup-compatibility/2006">
-        <mc:Choice xmlns:a14="http://schemas.microsoft.com/office/drawing/2010/main" Requires="a14">
+      <mc:AlternateContent xmlns:mc="http://schemas.openxmlformats.org/markup-compatibility/2006" xmlns:a14="http://schemas.microsoft.com/office/drawing/2010/main">
+        <mc:Choice Requires="a14">
           <p:sp>
             <p:nvSpPr>
               <p:cNvPr id="41" name="文本框 40">
@@ -26201,7 +26291,7 @@
             </p:txBody>
           </p:sp>
         </mc:Choice>
-        <mc:Fallback>
+        <mc:Fallback xmlns="">
           <p:sp>
             <p:nvSpPr>
               <p:cNvPr id="41" name="文本框 40">
@@ -27189,8 +27279,8 @@
           </p:sp>
         </mc:Fallback>
       </mc:AlternateContent>
-      <mc:AlternateContent xmlns:mc="http://schemas.openxmlformats.org/markup-compatibility/2006">
-        <mc:Choice xmlns:a14="http://schemas.microsoft.com/office/drawing/2010/main" Requires="a14">
+      <mc:AlternateContent xmlns:mc="http://schemas.openxmlformats.org/markup-compatibility/2006" xmlns:a14="http://schemas.microsoft.com/office/drawing/2010/main">
+        <mc:Choice Requires="a14">
           <p:sp>
             <p:nvSpPr>
               <p:cNvPr id="41" name="文本框 40">
@@ -27303,7 +27393,7 @@
             </p:txBody>
           </p:sp>
         </mc:Choice>
-        <mc:Fallback>
+        <mc:Fallback xmlns="">
           <p:sp>
             <p:nvSpPr>
               <p:cNvPr id="41" name="文本框 40">
@@ -27536,8 +27626,8 @@
           </a:fontRef>
         </p:style>
       </p:cxnSp>
-      <mc:AlternateContent xmlns:mc="http://schemas.openxmlformats.org/markup-compatibility/2006">
-        <mc:Choice xmlns:a14="http://schemas.microsoft.com/office/drawing/2010/main" Requires="a14">
+      <mc:AlternateContent xmlns:mc="http://schemas.openxmlformats.org/markup-compatibility/2006" xmlns:a14="http://schemas.microsoft.com/office/drawing/2010/main">
+        <mc:Choice Requires="a14">
           <p:sp>
             <p:nvSpPr>
               <p:cNvPr id="33" name="文本框 32">
@@ -27650,7 +27740,7 @@
             </p:txBody>
           </p:sp>
         </mc:Choice>
-        <mc:Fallback>
+        <mc:Fallback xmlns="">
           <p:sp>
             <p:nvSpPr>
               <p:cNvPr id="33" name="文本框 32">
@@ -27870,8 +27960,8 @@
           </a:p>
         </p:txBody>
       </p:sp>
-      <mc:AlternateContent xmlns:mc="http://schemas.openxmlformats.org/markup-compatibility/2006">
-        <mc:Choice xmlns:a14="http://schemas.microsoft.com/office/drawing/2010/main" Requires="a14">
+      <mc:AlternateContent xmlns:mc="http://schemas.openxmlformats.org/markup-compatibility/2006" xmlns:a14="http://schemas.microsoft.com/office/drawing/2010/main">
+        <mc:Choice Requires="a14">
           <p:sp>
             <p:nvSpPr>
               <p:cNvPr id="39" name="文本框 38">
@@ -27984,7 +28074,7 @@
             </p:txBody>
           </p:sp>
         </mc:Choice>
-        <mc:Fallback>
+        <mc:Fallback xmlns="">
           <p:sp>
             <p:nvSpPr>
               <p:cNvPr id="39" name="文本框 38">
@@ -28524,12 +28614,22 @@
             <a:r>
               <a:rPr kumimoji="1" lang="en-US" altLang="zh-CN" sz="2000" b="1" dirty="0">
                 <a:solidFill>
-                  <a:srgbClr val="0432FF"/>
-                </a:solidFill>
-                <a:latin typeface="Courier New" panose="02070309020205020404" pitchFamily="49" charset="0"/>
-                <a:cs typeface="Courier New" panose="02070309020205020404" pitchFamily="49" charset="0"/>
-              </a:rPr>
-              <a:t>lib(n);</a:t>
+                  <a:srgbClr val="FF0000"/>
+                </a:solidFill>
+                <a:latin typeface="Courier New" panose="02070309020205020404" pitchFamily="49" charset="0"/>
+                <a:cs typeface="Courier New" panose="02070309020205020404" pitchFamily="49" charset="0"/>
+              </a:rPr>
+              <a:t>lib</a:t>
+            </a:r>
+            <a:r>
+              <a:rPr kumimoji="1" lang="en-US" altLang="zh-CN" sz="2000" b="1" dirty="0">
+                <a:solidFill>
+                  <a:srgbClr val="0432FF"/>
+                </a:solidFill>
+                <a:latin typeface="Courier New" panose="02070309020205020404" pitchFamily="49" charset="0"/>
+                <a:cs typeface="Courier New" panose="02070309020205020404" pitchFamily="49" charset="0"/>
+              </a:rPr>
+              <a:t>(n);</a:t>
             </a:r>
           </a:p>
           <a:p>
@@ -28782,8 +28882,16 @@
           <a:p>
             <a:pPr algn="ctr"/>
             <a:r>
+              <a:rPr kumimoji="1" lang="en-US" altLang="zh-CN" dirty="0">
+                <a:solidFill>
+                  <a:srgbClr val="FF0000"/>
+                </a:solidFill>
+              </a:rPr>
+              <a:t>lib</a:t>
+            </a:r>
+            <a:r>
               <a:rPr kumimoji="1" lang="en-US" altLang="zh-CN" dirty="0"/>
-              <a:t>lib()</a:t>
+              <a:t>()</a:t>
             </a:r>
             <a:endParaRPr kumimoji="1" lang="zh-CN" altLang="en-US" dirty="0"/>
           </a:p>
@@ -29655,7 +29763,15 @@
             </a:r>
             <a:r>
               <a:rPr kumimoji="1" lang="en-US" altLang="zh-CN" dirty="0"/>
-              <a:t>(flexible)</a:t>
+              <a:t>(and</a:t>
+            </a:r>
+            <a:r>
+              <a:rPr kumimoji="1" lang="zh-CN" altLang="en-US" dirty="0"/>
+              <a:t> </a:t>
+            </a:r>
+            <a:r>
+              <a:rPr kumimoji="1" lang="en-US" altLang="zh-CN" dirty="0"/>
+              <a:t>flexible)</a:t>
             </a:r>
             <a:r>
               <a:rPr kumimoji="1" lang="zh-CN" altLang="en-US" dirty="0"/>
@@ -29667,6 +29783,37 @@
             </a:r>
           </a:p>
           <a:p>
+            <a:pPr lvl="1"/>
+            <a:r>
+              <a:rPr kumimoji="1" lang="en-US" altLang="zh-CN" dirty="0"/>
+              <a:t>sacrifice</a:t>
+            </a:r>
+            <a:r>
+              <a:rPr kumimoji="1" lang="zh-CN" altLang="en-US" dirty="0"/>
+              <a:t> </a:t>
+            </a:r>
+            <a:r>
+              <a:rPr kumimoji="1" lang="en-US" altLang="zh-CN" dirty="0"/>
+              <a:t>completeness</a:t>
+            </a:r>
+            <a:r>
+              <a:rPr kumimoji="1" lang="zh-CN" altLang="en-US" dirty="0"/>
+              <a:t> </a:t>
+            </a:r>
+            <a:r>
+              <a:rPr kumimoji="1" lang="en-US" altLang="zh-CN" dirty="0"/>
+              <a:t>for</a:t>
+            </a:r>
+            <a:r>
+              <a:rPr kumimoji="1" lang="zh-CN" altLang="en-US" dirty="0"/>
+              <a:t> </a:t>
+            </a:r>
+            <a:r>
+              <a:rPr kumimoji="1" lang="en-US" altLang="zh-CN" dirty="0"/>
+              <a:t>usability</a:t>
+            </a:r>
+          </a:p>
+          <a:p>
             <a:r>
               <a:rPr kumimoji="1" lang="en-US" altLang="zh-CN" dirty="0"/>
               <a:t>Many</a:t>
@@ -29710,6 +29857,29 @@
             <a:r>
               <a:rPr kumimoji="1" lang="en-US" altLang="zh-CN" dirty="0"/>
               <a:t>applications</a:t>
+            </a:r>
+          </a:p>
+          <a:p>
+            <a:pPr lvl="1"/>
+            <a:r>
+              <a:rPr kumimoji="1" lang="en-US" altLang="zh-CN" dirty="0"/>
+              <a:t>with</a:t>
+            </a:r>
+            <a:r>
+              <a:rPr kumimoji="1" lang="zh-CN" altLang="en-US" dirty="0"/>
+              <a:t> </a:t>
+            </a:r>
+            <a:r>
+              <a:rPr kumimoji="1" lang="en-US" altLang="zh-CN" dirty="0"/>
+              <a:t>many</a:t>
+            </a:r>
+            <a:r>
+              <a:rPr kumimoji="1" lang="zh-CN" altLang="en-US" dirty="0"/>
+              <a:t> </a:t>
+            </a:r>
+            <a:r>
+              <a:rPr kumimoji="1" lang="en-US" altLang="zh-CN"/>
+              <a:t>improvements</a:t>
             </a:r>
             <a:endParaRPr kumimoji="1" lang="zh-CN" altLang="en-US" dirty="0"/>
           </a:p>
@@ -32308,7 +32478,7 @@
             <a:pPr algn="ctr"/>
             <a:r>
               <a:rPr kumimoji="1" lang="en-US" altLang="zh-CN" dirty="0"/>
-              <a:t>e</a:t>
+              <a:t>if(e)</a:t>
             </a:r>
             <a:endParaRPr kumimoji="1" lang="zh-CN" altLang="en-US" dirty="0"/>
           </a:p>
@@ -33202,6 +33372,26 @@
                 <a:latin typeface="Courier New" panose="02070309020205020404" pitchFamily="49" charset="0"/>
                 <a:cs typeface="Courier New" panose="02070309020205020404" pitchFamily="49" charset="0"/>
               </a:rPr>
+              <a:t>int</a:t>
+            </a:r>
+            <a:r>
+              <a:rPr kumimoji="1" lang="zh-CN" altLang="en-US" sz="2000" b="1" dirty="0">
+                <a:solidFill>
+                  <a:srgbClr val="0432FF"/>
+                </a:solidFill>
+                <a:latin typeface="Courier New" panose="02070309020205020404" pitchFamily="49" charset="0"/>
+                <a:cs typeface="Courier New" panose="02070309020205020404" pitchFamily="49" charset="0"/>
+              </a:rPr>
+              <a:t> </a:t>
+            </a:r>
+            <a:r>
+              <a:rPr kumimoji="1" lang="en-US" altLang="zh-CN" sz="2000" b="1" dirty="0">
+                <a:solidFill>
+                  <a:srgbClr val="0432FF"/>
+                </a:solidFill>
+                <a:latin typeface="Courier New" panose="02070309020205020404" pitchFamily="49" charset="0"/>
+                <a:cs typeface="Courier New" panose="02070309020205020404" pitchFamily="49" charset="0"/>
+              </a:rPr>
               <a:t>m</a:t>
             </a:r>
             <a:r>
@@ -33845,6 +34035,14 @@
             </a:r>
             <a:r>
               <a:rPr kumimoji="1" lang="en-US" altLang="zh-CN" dirty="0"/>
+              <a:t>left</a:t>
+            </a:r>
+            <a:r>
+              <a:rPr kumimoji="1" lang="zh-CN" altLang="en-US" dirty="0"/>
+              <a:t> </a:t>
+            </a:r>
+            <a:r>
+              <a:rPr kumimoji="1" lang="en-US" altLang="zh-CN" dirty="0"/>
               <a:t>path</a:t>
             </a:r>
             <a:r>
@@ -33917,6 +34115,14 @@
             </a:r>
             <a:r>
               <a:rPr kumimoji="1" lang="en-US" altLang="zh-CN" dirty="0"/>
+              <a:t>it’s</a:t>
+            </a:r>
+            <a:r>
+              <a:rPr kumimoji="1" lang="zh-CN" altLang="en-US" dirty="0"/>
+              <a:t> </a:t>
+            </a:r>
+            <a:r>
+              <a:rPr kumimoji="1" lang="en-US" altLang="zh-CN" dirty="0"/>
               <a:t>beyond</a:t>
             </a:r>
             <a:r>
@@ -33942,6 +34148,14 @@
             <a:r>
               <a:rPr kumimoji="1" lang="en-US" altLang="zh-CN" dirty="0"/>
               <a:t>of</a:t>
+            </a:r>
+            <a:r>
+              <a:rPr kumimoji="1" lang="zh-CN" altLang="en-US" dirty="0"/>
+              <a:t> </a:t>
+            </a:r>
+            <a:r>
+              <a:rPr kumimoji="1" lang="en-US" altLang="zh-CN" dirty="0"/>
+              <a:t>many</a:t>
             </a:r>
             <a:r>
               <a:rPr kumimoji="1" lang="zh-CN" altLang="en-US" dirty="0"/>
@@ -34880,27 +35094,51 @@
               <a:t> </a:t>
             </a:r>
             <a:r>
-              <a:rPr kumimoji="1" lang="en-US" altLang="zh-CN" dirty="0"/>
+              <a:rPr kumimoji="1" lang="en-US" altLang="zh-CN" dirty="0">
+                <a:solidFill>
+                  <a:srgbClr val="0432FF"/>
+                </a:solidFill>
+              </a:rPr>
               <a:t>concrete</a:t>
             </a:r>
             <a:r>
-              <a:rPr kumimoji="1" lang="zh-CN" altLang="en-US" dirty="0"/>
-              <a:t> </a:t>
-            </a:r>
-            <a:r>
-              <a:rPr kumimoji="1" lang="en-US" altLang="zh-CN" dirty="0"/>
+              <a:rPr kumimoji="1" lang="zh-CN" altLang="en-US" dirty="0">
+                <a:solidFill>
+                  <a:srgbClr val="0432FF"/>
+                </a:solidFill>
+              </a:rPr>
+              <a:t> </a:t>
+            </a:r>
+            <a:r>
+              <a:rPr kumimoji="1" lang="en-US" altLang="zh-CN" dirty="0">
+                <a:solidFill>
+                  <a:srgbClr val="0432FF"/>
+                </a:solidFill>
+              </a:rPr>
               <a:t>+</a:t>
             </a:r>
             <a:r>
-              <a:rPr kumimoji="1" lang="zh-CN" altLang="en-US" dirty="0"/>
-              <a:t> </a:t>
-            </a:r>
-            <a:r>
-              <a:rPr kumimoji="1" lang="en-US" altLang="zh-CN" dirty="0"/>
+              <a:rPr kumimoji="1" lang="zh-CN" altLang="en-US" dirty="0">
+                <a:solidFill>
+                  <a:srgbClr val="0432FF"/>
+                </a:solidFill>
+              </a:rPr>
+              <a:t> </a:t>
+            </a:r>
+            <a:r>
+              <a:rPr kumimoji="1" lang="en-US" altLang="zh-CN" dirty="0">
+                <a:solidFill>
+                  <a:srgbClr val="0432FF"/>
+                </a:solidFill>
+              </a:rPr>
               <a:t>symbolic</a:t>
             </a:r>
             <a:r>
-              <a:rPr kumimoji="1" lang="zh-CN" altLang="en-US" dirty="0"/>
+              <a:rPr kumimoji="1" lang="zh-CN" altLang="en-US" dirty="0">
+                <a:solidFill>
+                  <a:srgbClr val="0432FF"/>
+                </a:solidFill>
+              </a:rPr>
               <a:t> </a:t>
             </a:r>
             <a:r>
